--- a/Chicago Schools Project/Chicago Analysis.pptx
+++ b/Chicago Schools Project/Chicago Analysis.pptx
@@ -234,7 +234,7 @@
           <a:p>
             <a:fld id="{68796EA6-6F25-4F19-87BA-7ADCC16DAEFF}" type="datetimeFigureOut">
               <a:rPr lang="en-US" smtClean="0"/>
-              <a:t>4/16/2018</a:t>
+              <a:t>3/16/2019</a:t>
             </a:fld>
             <a:endParaRPr lang="en-US"/>
           </a:p>
@@ -399,7 +399,7 @@
           <a:p>
             <a:fld id="{C39C172E-A8B5-46F6-B05C-DFA3E2E0F207}" type="datetimeFigureOut">
               <a:rPr lang="en-US" smtClean="0"/>
-              <a:t>4/16/2018</a:t>
+              <a:t>3/16/2019</a:t>
             </a:fld>
             <a:endParaRPr lang="en-US"/>
           </a:p>
@@ -1311,7 +1311,7 @@
           <a:p>
             <a:fld id="{4E708F12-96AD-4ED4-8132-A78F5E42C1F5}" type="datetime1">
               <a:rPr lang="en-US" smtClean="0"/>
-              <a:t>4/16/2018</a:t>
+              <a:t>3/16/2019</a:t>
             </a:fld>
             <a:endParaRPr lang="en-US"/>
           </a:p>
@@ -1531,7 +1531,7 @@
           <a:p>
             <a:fld id="{7B7FA170-8299-44AD-AEEF-FC686C3D7804}" type="datetime1">
               <a:rPr lang="en-US" smtClean="0"/>
-              <a:t>4/16/2018</a:t>
+              <a:t>3/16/2019</a:t>
             </a:fld>
             <a:endParaRPr lang="en-US"/>
           </a:p>
@@ -1712,7 +1712,7 @@
           <a:p>
             <a:fld id="{2231763A-68EC-4ECD-9620-D9FE9CDDD622}" type="datetime1">
               <a:rPr lang="en-US" smtClean="0"/>
-              <a:t>4/16/2018</a:t>
+              <a:t>3/16/2019</a:t>
             </a:fld>
             <a:endParaRPr lang="en-US"/>
           </a:p>
@@ -1903,7 +1903,7 @@
           <a:p>
             <a:fld id="{7B98BEDD-6160-49BB-B372-861DE7DE9BA5}" type="datetime1">
               <a:rPr lang="en-US" smtClean="0"/>
-              <a:t>4/16/2018</a:t>
+              <a:t>3/16/2019</a:t>
             </a:fld>
             <a:endParaRPr lang="en-US"/>
           </a:p>
@@ -2084,7 +2084,7 @@
           <a:p>
             <a:fld id="{0AAE819F-B7FD-4B29-8F66-9E318144BC2A}" type="datetime1">
               <a:rPr lang="en-US" smtClean="0"/>
-              <a:t>4/16/2018</a:t>
+              <a:t>3/16/2019</a:t>
             </a:fld>
             <a:endParaRPr lang="en-US"/>
           </a:p>
@@ -2316,7 +2316,7 @@
           <a:p>
             <a:fld id="{D4CA159C-B6E0-4F10-9F4A-2FA57003B139}" type="datetime1">
               <a:rPr lang="en-US" smtClean="0"/>
-              <a:t>4/16/2018</a:t>
+              <a:t>3/16/2019</a:t>
             </a:fld>
             <a:endParaRPr lang="en-US"/>
           </a:p>
@@ -2607,7 +2607,7 @@
           <a:p>
             <a:fld id="{8170CBBB-D1D1-4386-A5E9-07F3477B78F3}" type="datetime1">
               <a:rPr lang="en-US" smtClean="0"/>
-              <a:t>4/16/2018</a:t>
+              <a:t>3/16/2019</a:t>
             </a:fld>
             <a:endParaRPr lang="en-US"/>
           </a:p>
@@ -3034,7 +3034,7 @@
           <a:p>
             <a:fld id="{9FA4CAD8-0EA7-4615-B69B-B2F199EF3A93}" type="datetime1">
               <a:rPr lang="en-US" smtClean="0"/>
-              <a:t>4/16/2018</a:t>
+              <a:t>3/16/2019</a:t>
             </a:fld>
             <a:endParaRPr lang="en-US"/>
           </a:p>
@@ -3186,7 +3186,7 @@
           <a:p>
             <a:fld id="{B9234BD7-6953-492C-921B-E68B2D7F14C8}" type="datetime1">
               <a:rPr lang="en-US" smtClean="0"/>
-              <a:t>4/16/2018</a:t>
+              <a:t>3/16/2019</a:t>
             </a:fld>
             <a:endParaRPr lang="en-US"/>
           </a:p>
@@ -3293,7 +3293,7 @@
           <a:p>
             <a:fld id="{35A17D9B-D4D3-4E23-88DF-2E354FA43196}" type="datetime1">
               <a:rPr lang="en-US" smtClean="0"/>
-              <a:t>4/16/2018</a:t>
+              <a:t>3/16/2019</a:t>
             </a:fld>
             <a:endParaRPr lang="en-US"/>
           </a:p>
@@ -3554,7 +3554,7 @@
           <a:p>
             <a:fld id="{541F67C5-D04E-4576-B61C-12ABA14BBD6C}" type="datetime1">
               <a:rPr lang="en-US" smtClean="0"/>
-              <a:t>4/16/2018</a:t>
+              <a:t>3/16/2019</a:t>
             </a:fld>
             <a:endParaRPr lang="en-US"/>
           </a:p>
@@ -4453,7 +4453,7 @@
           <a:p>
             <a:fld id="{C20F09E4-6EA4-4BF3-9FC8-FF40373B88E6}" type="datetime1">
               <a:rPr lang="en-US" smtClean="0"/>
-              <a:t>4/16/2018</a:t>
+              <a:t>3/16/2019</a:t>
             </a:fld>
             <a:endParaRPr lang="en-US"/>
           </a:p>
@@ -5806,8 +5806,8 @@
           </a:p>
         </p:txBody>
       </p:sp>
-      <mc:AlternateContent xmlns:mc="http://schemas.openxmlformats.org/markup-compatibility/2006" xmlns:a14="http://schemas.microsoft.com/office/drawing/2010/main">
-        <mc:Choice Requires="a14">
+      <mc:AlternateContent xmlns:mc="http://schemas.openxmlformats.org/markup-compatibility/2006">
+        <mc:Choice xmlns:a14="http://schemas.microsoft.com/office/drawing/2010/main" Requires="a14">
           <p:sp>
             <p:nvSpPr>
               <p:cNvPr id="5" name="Content Placeholder 4">
@@ -6255,7 +6255,7 @@
             </p:txBody>
           </p:sp>
         </mc:Choice>
-        <mc:Fallback xmlns="">
+        <mc:Fallback>
           <p:sp>
             <p:nvSpPr>
               <p:cNvPr id="5" name="Content Placeholder 4">
@@ -6278,7 +6278,7 @@
                 <a:ext cx="11101137" cy="4849206"/>
               </a:xfrm>
               <a:blipFill>
-                <a:blip r:embed="rId4"/>
+                <a:blip r:embed="rId2"/>
                 <a:stretch>
                   <a:fillRect t="-2264" b="-1509"/>
                 </a:stretch>
@@ -7757,8 +7757,8 @@
           </a:p>
         </p:txBody>
       </p:sp>
-      <mc:AlternateContent xmlns:mc="http://schemas.openxmlformats.org/markup-compatibility/2006">
-        <mc:Choice xmlns:a14="http://schemas.microsoft.com/office/drawing/2010/main" Requires="a14">
+      <mc:AlternateContent xmlns:mc="http://schemas.openxmlformats.org/markup-compatibility/2006" xmlns:a14="http://schemas.microsoft.com/office/drawing/2010/main">
+        <mc:Choice Requires="a14">
           <p:graphicFrame>
             <p:nvGraphicFramePr>
               <p:cNvPr id="2" name="Content Placeholder 1">
@@ -8509,7 +8509,7 @@
             </a:graphic>
           </p:graphicFrame>
         </mc:Choice>
-        <mc:Fallback>
+        <mc:Fallback xmlns="">
           <p:graphicFrame>
             <p:nvGraphicFramePr>
               <p:cNvPr id="2" name="Content Placeholder 1">
